--- a/docs/Hackathon2021_redis_on_tikv 答辩.pptx
+++ b/docs/Hackathon2021_redis_on_tikv 答辩.pptx
@@ -7389,7 +7389,7 @@
         <p:spPr>
           <a:xfrm>
             <a:off x="1152525" y="1854835"/>
-            <a:ext cx="6416675" cy="1014730"/>
+            <a:ext cx="6416675" cy="1630045"/>
           </a:xfrm>
           <a:prstGeom prst="rect">
             <a:avLst/>
@@ -7429,6 +7429,39 @@
               <a:buChar char="•"/>
             </a:pPr>
             <a:r>
+              <a:rPr lang="en-US" altLang="zh-CN" sz="2000">
+                <a:solidFill>
+                  <a:schemeClr val="dk1"/>
+                </a:solidFill>
+                <a:latin typeface="微软雅黑" panose="020B0503020204020204" charset="-122"/>
+                <a:ea typeface="微软雅黑" panose="020B0503020204020204" charset="-122"/>
+              </a:rPr>
+              <a:t>AOF</a:t>
+            </a:r>
+            <a:r>
+              <a:rPr lang="zh-CN" altLang="en-US" sz="2000">
+                <a:solidFill>
+                  <a:schemeClr val="dk1"/>
+                </a:solidFill>
+                <a:latin typeface="微软雅黑" panose="020B0503020204020204" charset="-122"/>
+                <a:ea typeface="微软雅黑" panose="020B0503020204020204" charset="-122"/>
+              </a:rPr>
+              <a:t>顺序加载效率低</a:t>
+            </a:r>
+            <a:endParaRPr lang="zh-CN" sz="2000">
+              <a:solidFill>
+                <a:schemeClr val="dk1"/>
+              </a:solidFill>
+              <a:latin typeface="微软雅黑" panose="020B0503020204020204" charset="-122"/>
+              <a:ea typeface="微软雅黑" panose="020B0503020204020204" charset="-122"/>
+            </a:endParaRPr>
+          </a:p>
+          <a:p>
+            <a:pPr marL="285750" indent="-285750">
+              <a:buFont typeface="Arial" panose="020B0604020202090204" pitchFamily="34" charset="0"/>
+              <a:buChar char="•"/>
+            </a:pPr>
+            <a:r>
               <a:rPr lang="zh-CN" sz="2000">
                 <a:solidFill>
                   <a:schemeClr val="dk1"/>
@@ -7438,6 +7471,19 @@
               </a:rPr>
               <a:t>无论是 RDB 还是 AOF模式都是单机持久化模式，数据不易统一管理</a:t>
             </a:r>
+            <a:endParaRPr lang="zh-CN" sz="2000">
+              <a:solidFill>
+                <a:schemeClr val="dk1"/>
+              </a:solidFill>
+              <a:latin typeface="微软雅黑" panose="020B0503020204020204" charset="-122"/>
+              <a:ea typeface="微软雅黑" panose="020B0503020204020204" charset="-122"/>
+            </a:endParaRPr>
+          </a:p>
+          <a:p>
+            <a:pPr marL="285750" indent="-285750">
+              <a:buFont typeface="Arial" panose="020B0604020202090204" pitchFamily="34" charset="0"/>
+              <a:buChar char="•"/>
+            </a:pPr>
             <a:endParaRPr lang="zh-CN" sz="2000">
               <a:solidFill>
                 <a:schemeClr val="dk1"/>
